--- a/4 - statistical learning/Workshop Hackaton 2.0.pptx
+++ b/4 - statistical learning/Workshop Hackaton 2.0.pptx
@@ -535,27 +535,6 @@
                 <a:spcPts val="0"/>
               </a:spcBef>
             </a:pPr>
-            <a:r>
-              <a:rPr lang="en-US" dirty="0">
-                <a:latin typeface="Century Gothic"/>
-                <a:cs typeface="Century Gothic"/>
-              </a:rPr>
-              <a:t>How can we meet SDG 11 if we can’t measure it?</a:t>
-            </a:r>
-          </a:p>
-          <a:p>
-            <a:pPr>
-              <a:spcBef>
-                <a:spcPts val="0"/>
-              </a:spcBef>
-            </a:pPr>
-            <a:r>
-              <a:rPr lang="en" dirty="0">
-                <a:latin typeface="Century Gothic"/>
-                <a:cs typeface="Century Gothic"/>
-              </a:rPr>
-              <a:t>How can we make an index that is applicable in diverse cities?</a:t>
-            </a:r>
             <a:endParaRPr lang="en-US" dirty="0">
               <a:latin typeface="Century Gothic"/>
               <a:cs typeface="Century Gothic"/>
@@ -4316,16 +4295,6 @@
           <a:p>
             <a:pPr algn="ctr"/>
             <a:r>
-              <a:rPr lang="en-US" b="1" dirty="0" err="1">
-                <a:solidFill>
-                  <a:srgbClr val="FFAC60"/>
-                </a:solidFill>
-                <a:latin typeface="Century Gothic"/>
-                <a:cs typeface="Century Gothic"/>
-              </a:rPr>
-              <a:t>Hackaton</a:t>
-            </a:r>
-            <a:r>
               <a:rPr lang="en-US" b="1" dirty="0">
                 <a:solidFill>
                   <a:srgbClr val="FFAC60"/>
@@ -4333,7 +4302,7 @@
                 <a:latin typeface="Century Gothic"/>
                 <a:cs typeface="Century Gothic"/>
               </a:rPr>
-              <a:t> 2.0</a:t>
+              <a:t>Data 2.0</a:t>
             </a:r>
           </a:p>
         </p:txBody>
@@ -5145,18 +5114,8 @@
             </a:pPr>
             <a:r>
               <a:rPr lang="en-US" sz="2800" dirty="0"/>
-              <a:t>There are many types of clustering, here we will look at Hierarchical Clustering and k-clustering.</a:t>
-            </a:r>
-          </a:p>
-          <a:p>
-            <a:pPr marL="693738" indent="-398463">
-              <a:buFont typeface="Wingdings" panose="05000000000000000000" pitchFamily="2" charset="2"/>
-              <a:buChar char="§"/>
-            </a:pPr>
-            <a:endParaRPr lang="en-US" sz="2800" dirty="0"/>
-          </a:p>
-          <a:p>
-            <a:endParaRPr lang="en-US" sz="2800" dirty="0"/>
+              <a:t>There are many types of clustering, here we will look at Hierarchical Clustering.</a:t>
+            </a:r>
           </a:p>
           <a:p>
             <a:pPr marL="457200" lvl="1" indent="0">
